--- a/20190524.xingrong.wu.pptx
+++ b/20190524.xingrong.wu.pptx
@@ -685,7 +685,7 @@
           <a:p>
             <a:fld id="{6384DC95-EA8C-48A7-BD59-7162BCFEC947}" type="datetimeFigureOut">
               <a:rPr lang="zh-CN" altLang="en-US" smtClean="0"/>
-              <a:t>2019/5/24</a:t>
+              <a:t>2019/5/29</a:t>
             </a:fld>
             <a:endParaRPr lang="zh-CN" altLang="en-US"/>
           </a:p>
@@ -1790,7 +1790,7 @@
           <a:p>
             <a:fld id="{03FCE02C-6EC6-4E09-BC2C-9FDED4DE236E}" type="datetimeFigureOut">
               <a:rPr lang="en-US" smtClean="0"/>
-              <a:t>5/24/19</a:t>
+              <a:t>5/29/19</a:t>
             </a:fld>
             <a:endParaRPr lang="en-US" dirty="0"/>
           </a:p>
@@ -1988,7 +1988,7 @@
             <a:fld id="{FB075A7A-4A9A-410F-B848-AB998ACC9419}" type="datetimeFigureOut">
               <a:rPr lang="en-US" smtClean="0"/>
               <a:pPr/>
-              <a:t>5/24/19</a:t>
+              <a:t>5/29/19</a:t>
             </a:fld>
             <a:endParaRPr lang="en-US" dirty="0"/>
           </a:p>
@@ -2170,7 +2170,7 @@
             <a:fld id="{AA5F3E88-2D66-4D17-B0FA-EA13CB20B2FF}" type="datetimeFigureOut">
               <a:rPr lang="en-US" smtClean="0"/>
               <a:pPr/>
-              <a:t>5/24/19</a:t>
+              <a:t>5/29/19</a:t>
             </a:fld>
             <a:endParaRPr lang="en-US" dirty="0"/>
           </a:p>
@@ -2342,7 +2342,7 @@
             <a:fld id="{4D8F36E1-9596-4E98-8786-4A17C5D29C65}" type="datetimeFigureOut">
               <a:rPr lang="en-US" smtClean="0"/>
               <a:pPr/>
-              <a:t>5/24/19</a:t>
+              <a:t>5/29/19</a:t>
             </a:fld>
             <a:endParaRPr lang="en-US" dirty="0"/>
           </a:p>
@@ -2923,7 +2923,7 @@
           <a:p>
             <a:fld id="{EE4D1A55-63BC-4BA2-9538-7DDEADA10621}" type="datetimeFigureOut">
               <a:rPr lang="en-US" smtClean="0"/>
-              <a:t>5/24/19</a:t>
+              <a:t>5/29/19</a:t>
             </a:fld>
             <a:endParaRPr lang="en-US" dirty="0"/>
           </a:p>
@@ -3239,7 +3239,7 @@
             <a:fld id="{66D01ABB-8821-4BF5-97A9-E1A66ACAEAA9}" type="datetimeFigureOut">
               <a:rPr lang="en-US" smtClean="0"/>
               <a:pPr/>
-              <a:t>5/24/19</a:t>
+              <a:t>5/29/19</a:t>
             </a:fld>
             <a:endParaRPr lang="en-US" dirty="0"/>
           </a:p>
@@ -3678,7 +3678,7 @@
             <a:fld id="{20C37B1C-D4A1-4A4F-A470-80868146AFC5}" type="datetimeFigureOut">
               <a:rPr lang="en-US" smtClean="0"/>
               <a:pPr/>
-              <a:t>5/24/19</a:t>
+              <a:t>5/29/19</a:t>
             </a:fld>
             <a:endParaRPr lang="en-US" dirty="0"/>
           </a:p>
@@ -3798,7 +3798,7 @@
             <a:fld id="{6D31D1B9-F39E-471E-80A9-595CAA5664AD}" type="datetimeFigureOut">
               <a:rPr lang="en-US" smtClean="0"/>
               <a:pPr/>
-              <a:t>5/24/19</a:t>
+              <a:t>5/29/19</a:t>
             </a:fld>
             <a:endParaRPr lang="en-US" dirty="0"/>
           </a:p>
@@ -3895,7 +3895,7 @@
             <a:fld id="{33FCEABC-E2B9-4606-A74F-CB06AF596887}" type="datetimeFigureOut">
               <a:rPr lang="en-US" smtClean="0"/>
               <a:pPr/>
-              <a:t>5/24/19</a:t>
+              <a:t>5/29/19</a:t>
             </a:fld>
             <a:endParaRPr lang="en-US" dirty="0"/>
           </a:p>
@@ -4321,7 +4321,7 @@
             <a:fld id="{FA8850A0-01A3-4F4E-AA52-F716A9BFD4EB}" type="datetimeFigureOut">
               <a:rPr lang="en-US" smtClean="0"/>
               <a:pPr/>
-              <a:t>5/24/19</a:t>
+              <a:t>5/29/19</a:t>
             </a:fld>
             <a:endParaRPr lang="en-US" dirty="0"/>
           </a:p>
@@ -4767,7 +4767,7 @@
           <a:p>
             <a:fld id="{E5811CCA-BB49-46C7-A0E2-F42339750F9A}" type="datetimeFigureOut">
               <a:rPr lang="en-US" smtClean="0"/>
-              <a:t>5/24/19</a:t>
+              <a:t>5/29/19</a:t>
             </a:fld>
             <a:endParaRPr lang="en-US" dirty="0"/>
           </a:p>
@@ -5068,7 +5068,7 @@
           <a:p>
             <a:fld id="{17205CAA-4E5A-4223-BD55-C5D2841AC9EF}" type="datetimeFigureOut">
               <a:rPr lang="en-US" smtClean="0"/>
-              <a:t>5/24/19</a:t>
+              <a:t>5/29/19</a:t>
             </a:fld>
             <a:endParaRPr lang="en-US" dirty="0"/>
           </a:p>
@@ -6232,7 +6232,7 @@
           <p:nvPr>
             <p:extLst>
               <p:ext uri="{D42A27DB-BD31-4B8C-83A1-F6EECF244321}">
-                <p14:modId xmlns:p14="http://schemas.microsoft.com/office/powerpoint/2010/main" val="3954061134"/>
+                <p14:modId xmlns:p14="http://schemas.microsoft.com/office/powerpoint/2010/main" val="1800846725"/>
               </p:ext>
             </p:extLst>
           </p:nvPr>
@@ -6501,13 +6501,22 @@
                     <a:p>
                       <a:pPr algn="ctr"/>
                       <a:r>
+                        <a:rPr lang="en-US" altLang="zh-CN" sz="2400">
+                          <a:solidFill>
+                            <a:srgbClr val="000000"/>
+                          </a:solidFill>
+                          <a:latin typeface="+mn-lt"/>
+                        </a:rPr>
+                        <a:t>shouldn’t </a:t>
+                      </a:r>
+                      <a:r>
                         <a:rPr lang="en-US" altLang="zh-CN" sz="2400" dirty="0">
                           <a:solidFill>
                             <a:srgbClr val="000000"/>
                           </a:solidFill>
                           <a:latin typeface="+mn-lt"/>
                         </a:rPr>
-                        <a:t>can be animated and moved by its Transform</a:t>
+                        <a:t>be animated and moved by its Transform</a:t>
                       </a:r>
                       <a:endParaRPr lang="zh-CN" altLang="en-US" sz="2400" dirty="0">
                         <a:latin typeface="+mn-lt"/>
